--- a/ppt 16-9/0413.一个人不能完成.pptx
+++ b/ppt 16-9/0413.一个人不能完成.pptx
@@ -129,7 +129,7 @@
           <p:cNvPr id="2" name="标题 1">
             <a:extLst>
               <a:ext uri="{FF2B5EF4-FFF2-40B4-BE49-F238E27FC236}">
-                <a16:creationId xmlns:a16="http://schemas.microsoft.com/office/drawing/2014/main" id="{6B5E02C2-6551-2F78-D8AB-4559A703F06A}"/>
+                <a16:creationId xmlns:a16="http://schemas.microsoft.com/office/drawing/2014/main" id="{D3F61042-7768-9B26-8303-3E13127542F2}"/>
               </a:ext>
             </a:extLst>
           </p:cNvPr>
@@ -166,7 +166,7 @@
           <p:cNvPr id="3" name="副标题 2">
             <a:extLst>
               <a:ext uri="{FF2B5EF4-FFF2-40B4-BE49-F238E27FC236}">
-                <a16:creationId xmlns:a16="http://schemas.microsoft.com/office/drawing/2014/main" id="{EA9723A7-393C-F2A9-849A-4FEA35DF7C75}"/>
+                <a16:creationId xmlns:a16="http://schemas.microsoft.com/office/drawing/2014/main" id="{6812BDF9-F636-558C-A84F-CDAEB067735B}"/>
               </a:ext>
             </a:extLst>
           </p:cNvPr>
@@ -236,7 +236,7 @@
           <p:cNvPr id="4" name="日期占位符 3">
             <a:extLst>
               <a:ext uri="{FF2B5EF4-FFF2-40B4-BE49-F238E27FC236}">
-                <a16:creationId xmlns:a16="http://schemas.microsoft.com/office/drawing/2014/main" id="{8E9C6AD9-AAEF-FE92-1BE2-16B7DCCE3921}"/>
+                <a16:creationId xmlns:a16="http://schemas.microsoft.com/office/drawing/2014/main" id="{59A0990D-657F-495A-35EB-0A60ADED3ADC}"/>
               </a:ext>
             </a:extLst>
           </p:cNvPr>
@@ -252,7 +252,7 @@
           <a:bodyPr/>
           <a:lstStyle/>
           <a:p>
-            <a:fld id="{30CD7C3C-CED0-4C71-84C1-E1C45DF3DF17}" type="datetimeFigureOut">
+            <a:fld id="{4685D9DD-7043-4934-89A6-1E1CCD9105A9}" type="datetimeFigureOut">
               <a:rPr lang="zh-CN" altLang="en-US" smtClean="0"/>
               <a:t>2024/3/10</a:t>
             </a:fld>
@@ -265,7 +265,7 @@
           <p:cNvPr id="5" name="页脚占位符 4">
             <a:extLst>
               <a:ext uri="{FF2B5EF4-FFF2-40B4-BE49-F238E27FC236}">
-                <a16:creationId xmlns:a16="http://schemas.microsoft.com/office/drawing/2014/main" id="{F8E51F81-290D-05FC-46B2-610E7BDDEB77}"/>
+                <a16:creationId xmlns:a16="http://schemas.microsoft.com/office/drawing/2014/main" id="{F181010B-6575-0440-0D43-4588B8B3FC76}"/>
               </a:ext>
             </a:extLst>
           </p:cNvPr>
@@ -290,7 +290,7 @@
           <p:cNvPr id="6" name="灯片编号占位符 5">
             <a:extLst>
               <a:ext uri="{FF2B5EF4-FFF2-40B4-BE49-F238E27FC236}">
-                <a16:creationId xmlns:a16="http://schemas.microsoft.com/office/drawing/2014/main" id="{2163216D-D9DF-1514-37AE-1A38BC7057BB}"/>
+                <a16:creationId xmlns:a16="http://schemas.microsoft.com/office/drawing/2014/main" id="{34E5D211-91D4-A09A-D6AF-400E2F8636A7}"/>
               </a:ext>
             </a:extLst>
           </p:cNvPr>
@@ -306,7 +306,7 @@
           <a:bodyPr/>
           <a:lstStyle/>
           <a:p>
-            <a:fld id="{B708E008-650D-41FA-A33B-702DF3CBCF05}" type="slidenum">
+            <a:fld id="{52BEA3AF-77BF-4145-94D8-817E9513EE45}" type="slidenum">
               <a:rPr lang="zh-CN" altLang="en-US" smtClean="0"/>
               <a:t>‹#›</a:t>
             </a:fld>
@@ -317,7 +317,7 @@
     </p:spTree>
     <p:extLst>
       <p:ext uri="{BB962C8B-B14F-4D97-AF65-F5344CB8AC3E}">
-        <p14:creationId xmlns:p14="http://schemas.microsoft.com/office/powerpoint/2010/main" val="710847682"/>
+        <p14:creationId xmlns:p14="http://schemas.microsoft.com/office/powerpoint/2010/main" val="3887238804"/>
       </p:ext>
     </p:extLst>
   </p:cSld>
@@ -349,7 +349,7 @@
           <p:cNvPr id="2" name="标题 1">
             <a:extLst>
               <a:ext uri="{FF2B5EF4-FFF2-40B4-BE49-F238E27FC236}">
-                <a16:creationId xmlns:a16="http://schemas.microsoft.com/office/drawing/2014/main" id="{554F3CC7-E8DD-5E82-4748-76370CDA608F}"/>
+                <a16:creationId xmlns:a16="http://schemas.microsoft.com/office/drawing/2014/main" id="{915ABE4E-76C9-CB2B-2C9F-441FBB5574F8}"/>
               </a:ext>
             </a:extLst>
           </p:cNvPr>
@@ -377,7 +377,7 @@
           <p:cNvPr id="3" name="竖排文字占位符 2">
             <a:extLst>
               <a:ext uri="{FF2B5EF4-FFF2-40B4-BE49-F238E27FC236}">
-                <a16:creationId xmlns:a16="http://schemas.microsoft.com/office/drawing/2014/main" id="{4DF14B8A-5DD6-C9C8-6B36-E1548B52B744}"/>
+                <a16:creationId xmlns:a16="http://schemas.microsoft.com/office/drawing/2014/main" id="{70C70A53-4FE9-4C23-6EB2-D250095769A2}"/>
               </a:ext>
             </a:extLst>
           </p:cNvPr>
@@ -434,7 +434,7 @@
           <p:cNvPr id="4" name="日期占位符 3">
             <a:extLst>
               <a:ext uri="{FF2B5EF4-FFF2-40B4-BE49-F238E27FC236}">
-                <a16:creationId xmlns:a16="http://schemas.microsoft.com/office/drawing/2014/main" id="{3BC3F933-8206-6BF0-5EB6-A0BE9B9188CF}"/>
+                <a16:creationId xmlns:a16="http://schemas.microsoft.com/office/drawing/2014/main" id="{E4D2C615-C448-43A6-4DCA-F1AE645875F0}"/>
               </a:ext>
             </a:extLst>
           </p:cNvPr>
@@ -450,7 +450,7 @@
           <a:bodyPr/>
           <a:lstStyle/>
           <a:p>
-            <a:fld id="{30CD7C3C-CED0-4C71-84C1-E1C45DF3DF17}" type="datetimeFigureOut">
+            <a:fld id="{4685D9DD-7043-4934-89A6-1E1CCD9105A9}" type="datetimeFigureOut">
               <a:rPr lang="zh-CN" altLang="en-US" smtClean="0"/>
               <a:t>2024/3/10</a:t>
             </a:fld>
@@ -463,7 +463,7 @@
           <p:cNvPr id="5" name="页脚占位符 4">
             <a:extLst>
               <a:ext uri="{FF2B5EF4-FFF2-40B4-BE49-F238E27FC236}">
-                <a16:creationId xmlns:a16="http://schemas.microsoft.com/office/drawing/2014/main" id="{35CDE328-A467-58AD-8C73-5F0553308F42}"/>
+                <a16:creationId xmlns:a16="http://schemas.microsoft.com/office/drawing/2014/main" id="{76A4D6B6-224F-4C62-33D2-EF1E51904EAE}"/>
               </a:ext>
             </a:extLst>
           </p:cNvPr>
@@ -488,7 +488,7 @@
           <p:cNvPr id="6" name="灯片编号占位符 5">
             <a:extLst>
               <a:ext uri="{FF2B5EF4-FFF2-40B4-BE49-F238E27FC236}">
-                <a16:creationId xmlns:a16="http://schemas.microsoft.com/office/drawing/2014/main" id="{7C824F1F-07FD-0B74-CEB4-B1719105A611}"/>
+                <a16:creationId xmlns:a16="http://schemas.microsoft.com/office/drawing/2014/main" id="{BFFBF7EF-0878-AFC2-7D2E-8D8AD373FBAA}"/>
               </a:ext>
             </a:extLst>
           </p:cNvPr>
@@ -504,7 +504,7 @@
           <a:bodyPr/>
           <a:lstStyle/>
           <a:p>
-            <a:fld id="{B708E008-650D-41FA-A33B-702DF3CBCF05}" type="slidenum">
+            <a:fld id="{52BEA3AF-77BF-4145-94D8-817E9513EE45}" type="slidenum">
               <a:rPr lang="zh-CN" altLang="en-US" smtClean="0"/>
               <a:t>‹#›</a:t>
             </a:fld>
@@ -515,7 +515,7 @@
     </p:spTree>
     <p:extLst>
       <p:ext uri="{BB962C8B-B14F-4D97-AF65-F5344CB8AC3E}">
-        <p14:creationId xmlns:p14="http://schemas.microsoft.com/office/powerpoint/2010/main" val="3544078954"/>
+        <p14:creationId xmlns:p14="http://schemas.microsoft.com/office/powerpoint/2010/main" val="3680778891"/>
       </p:ext>
     </p:extLst>
   </p:cSld>
@@ -547,7 +547,7 @@
           <p:cNvPr id="2" name="竖排标题 1">
             <a:extLst>
               <a:ext uri="{FF2B5EF4-FFF2-40B4-BE49-F238E27FC236}">
-                <a16:creationId xmlns:a16="http://schemas.microsoft.com/office/drawing/2014/main" id="{0884354B-37D4-4F94-C74C-FE05B369377B}"/>
+                <a16:creationId xmlns:a16="http://schemas.microsoft.com/office/drawing/2014/main" id="{5856D45B-CA6C-910A-D74D-C227432E5C35}"/>
               </a:ext>
             </a:extLst>
           </p:cNvPr>
@@ -580,7 +580,7 @@
           <p:cNvPr id="3" name="竖排文字占位符 2">
             <a:extLst>
               <a:ext uri="{FF2B5EF4-FFF2-40B4-BE49-F238E27FC236}">
-                <a16:creationId xmlns:a16="http://schemas.microsoft.com/office/drawing/2014/main" id="{7E32279A-A2F1-C6B3-D9F8-C4BA03B33E68}"/>
+                <a16:creationId xmlns:a16="http://schemas.microsoft.com/office/drawing/2014/main" id="{04762ECD-B76F-CF2A-3DE2-1C65D497DBBA}"/>
               </a:ext>
             </a:extLst>
           </p:cNvPr>
@@ -642,7 +642,7 @@
           <p:cNvPr id="4" name="日期占位符 3">
             <a:extLst>
               <a:ext uri="{FF2B5EF4-FFF2-40B4-BE49-F238E27FC236}">
-                <a16:creationId xmlns:a16="http://schemas.microsoft.com/office/drawing/2014/main" id="{F6959F4C-E81F-15D1-5CC2-E6E2D9EA9B36}"/>
+                <a16:creationId xmlns:a16="http://schemas.microsoft.com/office/drawing/2014/main" id="{07DC92EB-7B5E-6A41-51AA-0CB980C8BB31}"/>
               </a:ext>
             </a:extLst>
           </p:cNvPr>
@@ -658,7 +658,7 @@
           <a:bodyPr/>
           <a:lstStyle/>
           <a:p>
-            <a:fld id="{30CD7C3C-CED0-4C71-84C1-E1C45DF3DF17}" type="datetimeFigureOut">
+            <a:fld id="{4685D9DD-7043-4934-89A6-1E1CCD9105A9}" type="datetimeFigureOut">
               <a:rPr lang="zh-CN" altLang="en-US" smtClean="0"/>
               <a:t>2024/3/10</a:t>
             </a:fld>
@@ -671,7 +671,7 @@
           <p:cNvPr id="5" name="页脚占位符 4">
             <a:extLst>
               <a:ext uri="{FF2B5EF4-FFF2-40B4-BE49-F238E27FC236}">
-                <a16:creationId xmlns:a16="http://schemas.microsoft.com/office/drawing/2014/main" id="{D5293D45-3961-D08B-73B4-F828D9A15DA4}"/>
+                <a16:creationId xmlns:a16="http://schemas.microsoft.com/office/drawing/2014/main" id="{F9AF8115-E5D5-F03E-D24B-4BF308919CA7}"/>
               </a:ext>
             </a:extLst>
           </p:cNvPr>
@@ -696,7 +696,7 @@
           <p:cNvPr id="6" name="灯片编号占位符 5">
             <a:extLst>
               <a:ext uri="{FF2B5EF4-FFF2-40B4-BE49-F238E27FC236}">
-                <a16:creationId xmlns:a16="http://schemas.microsoft.com/office/drawing/2014/main" id="{46FC91AB-BB74-A16B-E860-674A8D194418}"/>
+                <a16:creationId xmlns:a16="http://schemas.microsoft.com/office/drawing/2014/main" id="{77A2767E-FB98-2BF2-5A04-031C1E3A2FC8}"/>
               </a:ext>
             </a:extLst>
           </p:cNvPr>
@@ -712,7 +712,7 @@
           <a:bodyPr/>
           <a:lstStyle/>
           <a:p>
-            <a:fld id="{B708E008-650D-41FA-A33B-702DF3CBCF05}" type="slidenum">
+            <a:fld id="{52BEA3AF-77BF-4145-94D8-817E9513EE45}" type="slidenum">
               <a:rPr lang="zh-CN" altLang="en-US" smtClean="0"/>
               <a:t>‹#›</a:t>
             </a:fld>
@@ -723,7 +723,7 @@
     </p:spTree>
     <p:extLst>
       <p:ext uri="{BB962C8B-B14F-4D97-AF65-F5344CB8AC3E}">
-        <p14:creationId xmlns:p14="http://schemas.microsoft.com/office/powerpoint/2010/main" val="3706194685"/>
+        <p14:creationId xmlns:p14="http://schemas.microsoft.com/office/powerpoint/2010/main" val="340677031"/>
       </p:ext>
     </p:extLst>
   </p:cSld>
@@ -755,7 +755,7 @@
           <p:cNvPr id="2" name="标题 1">
             <a:extLst>
               <a:ext uri="{FF2B5EF4-FFF2-40B4-BE49-F238E27FC236}">
-                <a16:creationId xmlns:a16="http://schemas.microsoft.com/office/drawing/2014/main" id="{EABA3AF2-2374-853C-107C-2C344C5B576D}"/>
+                <a16:creationId xmlns:a16="http://schemas.microsoft.com/office/drawing/2014/main" id="{145322F1-6BA4-D5C3-1493-7A86378022AE}"/>
               </a:ext>
             </a:extLst>
           </p:cNvPr>
@@ -783,7 +783,7 @@
           <p:cNvPr id="3" name="内容占位符 2">
             <a:extLst>
               <a:ext uri="{FF2B5EF4-FFF2-40B4-BE49-F238E27FC236}">
-                <a16:creationId xmlns:a16="http://schemas.microsoft.com/office/drawing/2014/main" id="{AAC7EAC5-851C-9172-96E7-600CAFF6D5DA}"/>
+                <a16:creationId xmlns:a16="http://schemas.microsoft.com/office/drawing/2014/main" id="{2DE9DAD4-6ABA-E82F-89AC-C391F9116A0B}"/>
               </a:ext>
             </a:extLst>
           </p:cNvPr>
@@ -840,7 +840,7 @@
           <p:cNvPr id="4" name="日期占位符 3">
             <a:extLst>
               <a:ext uri="{FF2B5EF4-FFF2-40B4-BE49-F238E27FC236}">
-                <a16:creationId xmlns:a16="http://schemas.microsoft.com/office/drawing/2014/main" id="{E8E8F3F5-B594-E93C-2ABC-3FEA48E5EE85}"/>
+                <a16:creationId xmlns:a16="http://schemas.microsoft.com/office/drawing/2014/main" id="{1224EC76-1726-0D5A-027E-72653E752222}"/>
               </a:ext>
             </a:extLst>
           </p:cNvPr>
@@ -856,7 +856,7 @@
           <a:bodyPr/>
           <a:lstStyle/>
           <a:p>
-            <a:fld id="{30CD7C3C-CED0-4C71-84C1-E1C45DF3DF17}" type="datetimeFigureOut">
+            <a:fld id="{4685D9DD-7043-4934-89A6-1E1CCD9105A9}" type="datetimeFigureOut">
               <a:rPr lang="zh-CN" altLang="en-US" smtClean="0"/>
               <a:t>2024/3/10</a:t>
             </a:fld>
@@ -869,7 +869,7 @@
           <p:cNvPr id="5" name="页脚占位符 4">
             <a:extLst>
               <a:ext uri="{FF2B5EF4-FFF2-40B4-BE49-F238E27FC236}">
-                <a16:creationId xmlns:a16="http://schemas.microsoft.com/office/drawing/2014/main" id="{216F2AB7-8BED-B4D9-F2D4-5AE71C484FD0}"/>
+                <a16:creationId xmlns:a16="http://schemas.microsoft.com/office/drawing/2014/main" id="{F9E2C296-4FDC-1F0C-BC1F-99B693C32F0E}"/>
               </a:ext>
             </a:extLst>
           </p:cNvPr>
@@ -894,7 +894,7 @@
           <p:cNvPr id="6" name="灯片编号占位符 5">
             <a:extLst>
               <a:ext uri="{FF2B5EF4-FFF2-40B4-BE49-F238E27FC236}">
-                <a16:creationId xmlns:a16="http://schemas.microsoft.com/office/drawing/2014/main" id="{7803FAC2-7B38-1645-6AB3-CB59E64BC310}"/>
+                <a16:creationId xmlns:a16="http://schemas.microsoft.com/office/drawing/2014/main" id="{173DEC0B-703F-8AEF-72ED-1685CAD42DDC}"/>
               </a:ext>
             </a:extLst>
           </p:cNvPr>
@@ -910,7 +910,7 @@
           <a:bodyPr/>
           <a:lstStyle/>
           <a:p>
-            <a:fld id="{B708E008-650D-41FA-A33B-702DF3CBCF05}" type="slidenum">
+            <a:fld id="{52BEA3AF-77BF-4145-94D8-817E9513EE45}" type="slidenum">
               <a:rPr lang="zh-CN" altLang="en-US" smtClean="0"/>
               <a:t>‹#›</a:t>
             </a:fld>
@@ -921,7 +921,7 @@
     </p:spTree>
     <p:extLst>
       <p:ext uri="{BB962C8B-B14F-4D97-AF65-F5344CB8AC3E}">
-        <p14:creationId xmlns:p14="http://schemas.microsoft.com/office/powerpoint/2010/main" val="3482115904"/>
+        <p14:creationId xmlns:p14="http://schemas.microsoft.com/office/powerpoint/2010/main" val="3313046649"/>
       </p:ext>
     </p:extLst>
   </p:cSld>
@@ -953,7 +953,7 @@
           <p:cNvPr id="2" name="标题 1">
             <a:extLst>
               <a:ext uri="{FF2B5EF4-FFF2-40B4-BE49-F238E27FC236}">
-                <a16:creationId xmlns:a16="http://schemas.microsoft.com/office/drawing/2014/main" id="{7C78959A-70AD-1C3F-C20E-7D205E49EE22}"/>
+                <a16:creationId xmlns:a16="http://schemas.microsoft.com/office/drawing/2014/main" id="{3A8F8F7E-08CC-1E11-CEC5-E731A14A782A}"/>
               </a:ext>
             </a:extLst>
           </p:cNvPr>
@@ -990,7 +990,7 @@
           <p:cNvPr id="3" name="文本占位符 2">
             <a:extLst>
               <a:ext uri="{FF2B5EF4-FFF2-40B4-BE49-F238E27FC236}">
-                <a16:creationId xmlns:a16="http://schemas.microsoft.com/office/drawing/2014/main" id="{C9FB7491-89EF-DDEE-D2AB-658A62D7B03B}"/>
+                <a16:creationId xmlns:a16="http://schemas.microsoft.com/office/drawing/2014/main" id="{410ECE5A-E3C7-62F8-9E8D-88EC6DF74E2A}"/>
               </a:ext>
             </a:extLst>
           </p:cNvPr>
@@ -1115,7 +1115,7 @@
           <p:cNvPr id="4" name="日期占位符 3">
             <a:extLst>
               <a:ext uri="{FF2B5EF4-FFF2-40B4-BE49-F238E27FC236}">
-                <a16:creationId xmlns:a16="http://schemas.microsoft.com/office/drawing/2014/main" id="{4C4AEC1D-1610-1E97-0852-22EFE3CEB4EF}"/>
+                <a16:creationId xmlns:a16="http://schemas.microsoft.com/office/drawing/2014/main" id="{1B0C47F3-7A35-E420-0966-3DBF8306AAA4}"/>
               </a:ext>
             </a:extLst>
           </p:cNvPr>
@@ -1131,7 +1131,7 @@
           <a:bodyPr/>
           <a:lstStyle/>
           <a:p>
-            <a:fld id="{30CD7C3C-CED0-4C71-84C1-E1C45DF3DF17}" type="datetimeFigureOut">
+            <a:fld id="{4685D9DD-7043-4934-89A6-1E1CCD9105A9}" type="datetimeFigureOut">
               <a:rPr lang="zh-CN" altLang="en-US" smtClean="0"/>
               <a:t>2024/3/10</a:t>
             </a:fld>
@@ -1144,7 +1144,7 @@
           <p:cNvPr id="5" name="页脚占位符 4">
             <a:extLst>
               <a:ext uri="{FF2B5EF4-FFF2-40B4-BE49-F238E27FC236}">
-                <a16:creationId xmlns:a16="http://schemas.microsoft.com/office/drawing/2014/main" id="{4CB47170-A8B1-4052-9AE7-00180CC818B3}"/>
+                <a16:creationId xmlns:a16="http://schemas.microsoft.com/office/drawing/2014/main" id="{DBE7FEDB-2A95-89F9-95ED-C35F644B89FE}"/>
               </a:ext>
             </a:extLst>
           </p:cNvPr>
@@ -1169,7 +1169,7 @@
           <p:cNvPr id="6" name="灯片编号占位符 5">
             <a:extLst>
               <a:ext uri="{FF2B5EF4-FFF2-40B4-BE49-F238E27FC236}">
-                <a16:creationId xmlns:a16="http://schemas.microsoft.com/office/drawing/2014/main" id="{10C80A37-0736-AD6C-B024-BD184D2E8D87}"/>
+                <a16:creationId xmlns:a16="http://schemas.microsoft.com/office/drawing/2014/main" id="{C2E6E615-3B77-FC3C-CA85-C8DD2D00BC72}"/>
               </a:ext>
             </a:extLst>
           </p:cNvPr>
@@ -1185,7 +1185,7 @@
           <a:bodyPr/>
           <a:lstStyle/>
           <a:p>
-            <a:fld id="{B708E008-650D-41FA-A33B-702DF3CBCF05}" type="slidenum">
+            <a:fld id="{52BEA3AF-77BF-4145-94D8-817E9513EE45}" type="slidenum">
               <a:rPr lang="zh-CN" altLang="en-US" smtClean="0"/>
               <a:t>‹#›</a:t>
             </a:fld>
@@ -1196,7 +1196,7 @@
     </p:spTree>
     <p:extLst>
       <p:ext uri="{BB962C8B-B14F-4D97-AF65-F5344CB8AC3E}">
-        <p14:creationId xmlns:p14="http://schemas.microsoft.com/office/powerpoint/2010/main" val="1330007081"/>
+        <p14:creationId xmlns:p14="http://schemas.microsoft.com/office/powerpoint/2010/main" val="4171461438"/>
       </p:ext>
     </p:extLst>
   </p:cSld>
@@ -1228,7 +1228,7 @@
           <p:cNvPr id="2" name="标题 1">
             <a:extLst>
               <a:ext uri="{FF2B5EF4-FFF2-40B4-BE49-F238E27FC236}">
-                <a16:creationId xmlns:a16="http://schemas.microsoft.com/office/drawing/2014/main" id="{A5AD1297-C97B-AE6E-DFD1-266FA2C2BDDE}"/>
+                <a16:creationId xmlns:a16="http://schemas.microsoft.com/office/drawing/2014/main" id="{253151BD-20F7-1F80-539C-7F76C9B10F43}"/>
               </a:ext>
             </a:extLst>
           </p:cNvPr>
@@ -1256,7 +1256,7 @@
           <p:cNvPr id="3" name="内容占位符 2">
             <a:extLst>
               <a:ext uri="{FF2B5EF4-FFF2-40B4-BE49-F238E27FC236}">
-                <a16:creationId xmlns:a16="http://schemas.microsoft.com/office/drawing/2014/main" id="{3DE51B14-42B1-6486-64BB-5A895A8D12F7}"/>
+                <a16:creationId xmlns:a16="http://schemas.microsoft.com/office/drawing/2014/main" id="{D475BBE4-6D3D-89D6-0618-85A8376CC97E}"/>
               </a:ext>
             </a:extLst>
           </p:cNvPr>
@@ -1318,7 +1318,7 @@
           <p:cNvPr id="4" name="内容占位符 3">
             <a:extLst>
               <a:ext uri="{FF2B5EF4-FFF2-40B4-BE49-F238E27FC236}">
-                <a16:creationId xmlns:a16="http://schemas.microsoft.com/office/drawing/2014/main" id="{836235E0-D99F-EA91-E484-441235D54DF9}"/>
+                <a16:creationId xmlns:a16="http://schemas.microsoft.com/office/drawing/2014/main" id="{6522BE86-456D-F427-3F0D-FDC48BD78D60}"/>
               </a:ext>
             </a:extLst>
           </p:cNvPr>
@@ -1380,7 +1380,7 @@
           <p:cNvPr id="5" name="日期占位符 4">
             <a:extLst>
               <a:ext uri="{FF2B5EF4-FFF2-40B4-BE49-F238E27FC236}">
-                <a16:creationId xmlns:a16="http://schemas.microsoft.com/office/drawing/2014/main" id="{ED2B9F4E-2767-CE10-25E5-C8A1E1129001}"/>
+                <a16:creationId xmlns:a16="http://schemas.microsoft.com/office/drawing/2014/main" id="{11275FF4-1279-C83A-4299-3635A6181E79}"/>
               </a:ext>
             </a:extLst>
           </p:cNvPr>
@@ -1396,7 +1396,7 @@
           <a:bodyPr/>
           <a:lstStyle/>
           <a:p>
-            <a:fld id="{30CD7C3C-CED0-4C71-84C1-E1C45DF3DF17}" type="datetimeFigureOut">
+            <a:fld id="{4685D9DD-7043-4934-89A6-1E1CCD9105A9}" type="datetimeFigureOut">
               <a:rPr lang="zh-CN" altLang="en-US" smtClean="0"/>
               <a:t>2024/3/10</a:t>
             </a:fld>
@@ -1409,7 +1409,7 @@
           <p:cNvPr id="6" name="页脚占位符 5">
             <a:extLst>
               <a:ext uri="{FF2B5EF4-FFF2-40B4-BE49-F238E27FC236}">
-                <a16:creationId xmlns:a16="http://schemas.microsoft.com/office/drawing/2014/main" id="{4D0F8723-09F3-ED18-1E62-889D7BEE3064}"/>
+                <a16:creationId xmlns:a16="http://schemas.microsoft.com/office/drawing/2014/main" id="{51DDE769-5D84-9C0F-E8E0-DE4C8C441B51}"/>
               </a:ext>
             </a:extLst>
           </p:cNvPr>
@@ -1434,7 +1434,7 @@
           <p:cNvPr id="7" name="灯片编号占位符 6">
             <a:extLst>
               <a:ext uri="{FF2B5EF4-FFF2-40B4-BE49-F238E27FC236}">
-                <a16:creationId xmlns:a16="http://schemas.microsoft.com/office/drawing/2014/main" id="{1CEF289A-ABDC-B608-232D-5CCA4ABFA087}"/>
+                <a16:creationId xmlns:a16="http://schemas.microsoft.com/office/drawing/2014/main" id="{60254E1D-C76C-A285-6E38-A5130E838031}"/>
               </a:ext>
             </a:extLst>
           </p:cNvPr>
@@ -1450,7 +1450,7 @@
           <a:bodyPr/>
           <a:lstStyle/>
           <a:p>
-            <a:fld id="{B708E008-650D-41FA-A33B-702DF3CBCF05}" type="slidenum">
+            <a:fld id="{52BEA3AF-77BF-4145-94D8-817E9513EE45}" type="slidenum">
               <a:rPr lang="zh-CN" altLang="en-US" smtClean="0"/>
               <a:t>‹#›</a:t>
             </a:fld>
@@ -1461,7 +1461,7 @@
     </p:spTree>
     <p:extLst>
       <p:ext uri="{BB962C8B-B14F-4D97-AF65-F5344CB8AC3E}">
-        <p14:creationId xmlns:p14="http://schemas.microsoft.com/office/powerpoint/2010/main" val="265398145"/>
+        <p14:creationId xmlns:p14="http://schemas.microsoft.com/office/powerpoint/2010/main" val="3592027270"/>
       </p:ext>
     </p:extLst>
   </p:cSld>
@@ -1493,7 +1493,7 @@
           <p:cNvPr id="2" name="标题 1">
             <a:extLst>
               <a:ext uri="{FF2B5EF4-FFF2-40B4-BE49-F238E27FC236}">
-                <a16:creationId xmlns:a16="http://schemas.microsoft.com/office/drawing/2014/main" id="{62EC02F3-093C-D142-CCD6-DD6D89FBE4D0}"/>
+                <a16:creationId xmlns:a16="http://schemas.microsoft.com/office/drawing/2014/main" id="{9F57E764-E048-1E74-093B-016C7B1C558B}"/>
               </a:ext>
             </a:extLst>
           </p:cNvPr>
@@ -1526,7 +1526,7 @@
           <p:cNvPr id="3" name="文本占位符 2">
             <a:extLst>
               <a:ext uri="{FF2B5EF4-FFF2-40B4-BE49-F238E27FC236}">
-                <a16:creationId xmlns:a16="http://schemas.microsoft.com/office/drawing/2014/main" id="{9CCF539D-4596-0A4A-4823-F7DEFD5D88E3}"/>
+                <a16:creationId xmlns:a16="http://schemas.microsoft.com/office/drawing/2014/main" id="{E15E908D-8AAB-04A3-61F6-BECCF499DFB6}"/>
               </a:ext>
             </a:extLst>
           </p:cNvPr>
@@ -1597,7 +1597,7 @@
           <p:cNvPr id="4" name="内容占位符 3">
             <a:extLst>
               <a:ext uri="{FF2B5EF4-FFF2-40B4-BE49-F238E27FC236}">
-                <a16:creationId xmlns:a16="http://schemas.microsoft.com/office/drawing/2014/main" id="{2D80C2B5-87A9-1D77-3A34-16C6C7E190CD}"/>
+                <a16:creationId xmlns:a16="http://schemas.microsoft.com/office/drawing/2014/main" id="{0F39D644-4935-33A9-50DA-318169A4CF25}"/>
               </a:ext>
             </a:extLst>
           </p:cNvPr>
@@ -1659,7 +1659,7 @@
           <p:cNvPr id="5" name="文本占位符 4">
             <a:extLst>
               <a:ext uri="{FF2B5EF4-FFF2-40B4-BE49-F238E27FC236}">
-                <a16:creationId xmlns:a16="http://schemas.microsoft.com/office/drawing/2014/main" id="{DBE0C886-8EBA-1BA1-C31A-A97BAB5F7A99}"/>
+                <a16:creationId xmlns:a16="http://schemas.microsoft.com/office/drawing/2014/main" id="{DBC1C30A-0945-7512-E0CE-16724F2DAEE8}"/>
               </a:ext>
             </a:extLst>
           </p:cNvPr>
@@ -1730,7 +1730,7 @@
           <p:cNvPr id="6" name="内容占位符 5">
             <a:extLst>
               <a:ext uri="{FF2B5EF4-FFF2-40B4-BE49-F238E27FC236}">
-                <a16:creationId xmlns:a16="http://schemas.microsoft.com/office/drawing/2014/main" id="{A5BBB4D1-F800-95CD-AEA6-236B1F4FDF93}"/>
+                <a16:creationId xmlns:a16="http://schemas.microsoft.com/office/drawing/2014/main" id="{99020AA8-ED14-8237-5B00-ED6E1FF9E79D}"/>
               </a:ext>
             </a:extLst>
           </p:cNvPr>
@@ -1792,7 +1792,7 @@
           <p:cNvPr id="7" name="日期占位符 6">
             <a:extLst>
               <a:ext uri="{FF2B5EF4-FFF2-40B4-BE49-F238E27FC236}">
-                <a16:creationId xmlns:a16="http://schemas.microsoft.com/office/drawing/2014/main" id="{85DA153C-EA2A-6F8A-A248-9BF66C3ED765}"/>
+                <a16:creationId xmlns:a16="http://schemas.microsoft.com/office/drawing/2014/main" id="{91A73397-F50B-DDC2-7879-5DF98B9808EB}"/>
               </a:ext>
             </a:extLst>
           </p:cNvPr>
@@ -1808,7 +1808,7 @@
           <a:bodyPr/>
           <a:lstStyle/>
           <a:p>
-            <a:fld id="{30CD7C3C-CED0-4C71-84C1-E1C45DF3DF17}" type="datetimeFigureOut">
+            <a:fld id="{4685D9DD-7043-4934-89A6-1E1CCD9105A9}" type="datetimeFigureOut">
               <a:rPr lang="zh-CN" altLang="en-US" smtClean="0"/>
               <a:t>2024/3/10</a:t>
             </a:fld>
@@ -1821,7 +1821,7 @@
           <p:cNvPr id="8" name="页脚占位符 7">
             <a:extLst>
               <a:ext uri="{FF2B5EF4-FFF2-40B4-BE49-F238E27FC236}">
-                <a16:creationId xmlns:a16="http://schemas.microsoft.com/office/drawing/2014/main" id="{250A1B86-0052-FCEC-C43D-415AAC81CEB5}"/>
+                <a16:creationId xmlns:a16="http://schemas.microsoft.com/office/drawing/2014/main" id="{EA717E0D-8A68-607F-BB89-DBF92D8A29CA}"/>
               </a:ext>
             </a:extLst>
           </p:cNvPr>
@@ -1846,7 +1846,7 @@
           <p:cNvPr id="9" name="灯片编号占位符 8">
             <a:extLst>
               <a:ext uri="{FF2B5EF4-FFF2-40B4-BE49-F238E27FC236}">
-                <a16:creationId xmlns:a16="http://schemas.microsoft.com/office/drawing/2014/main" id="{EBA4FCFE-A798-E72E-4D28-32F9CADEE880}"/>
+                <a16:creationId xmlns:a16="http://schemas.microsoft.com/office/drawing/2014/main" id="{2E8A5566-B9B1-F011-3C51-D3F1E97C7E67}"/>
               </a:ext>
             </a:extLst>
           </p:cNvPr>
@@ -1862,7 +1862,7 @@
           <a:bodyPr/>
           <a:lstStyle/>
           <a:p>
-            <a:fld id="{B708E008-650D-41FA-A33B-702DF3CBCF05}" type="slidenum">
+            <a:fld id="{52BEA3AF-77BF-4145-94D8-817E9513EE45}" type="slidenum">
               <a:rPr lang="zh-CN" altLang="en-US" smtClean="0"/>
               <a:t>‹#›</a:t>
             </a:fld>
@@ -1873,7 +1873,7 @@
     </p:spTree>
     <p:extLst>
       <p:ext uri="{BB962C8B-B14F-4D97-AF65-F5344CB8AC3E}">
-        <p14:creationId xmlns:p14="http://schemas.microsoft.com/office/powerpoint/2010/main" val="225392027"/>
+        <p14:creationId xmlns:p14="http://schemas.microsoft.com/office/powerpoint/2010/main" val="3327167873"/>
       </p:ext>
     </p:extLst>
   </p:cSld>
@@ -1905,7 +1905,7 @@
           <p:cNvPr id="2" name="标题 1">
             <a:extLst>
               <a:ext uri="{FF2B5EF4-FFF2-40B4-BE49-F238E27FC236}">
-                <a16:creationId xmlns:a16="http://schemas.microsoft.com/office/drawing/2014/main" id="{671EE2B5-BCD5-169F-93F9-CEF12AC3D42F}"/>
+                <a16:creationId xmlns:a16="http://schemas.microsoft.com/office/drawing/2014/main" id="{21DE99E6-4AC5-93C3-7D3B-865243393510}"/>
               </a:ext>
             </a:extLst>
           </p:cNvPr>
@@ -1933,7 +1933,7 @@
           <p:cNvPr id="3" name="日期占位符 2">
             <a:extLst>
               <a:ext uri="{FF2B5EF4-FFF2-40B4-BE49-F238E27FC236}">
-                <a16:creationId xmlns:a16="http://schemas.microsoft.com/office/drawing/2014/main" id="{37BC9918-1480-A6F5-0E1E-4EC0E196E54B}"/>
+                <a16:creationId xmlns:a16="http://schemas.microsoft.com/office/drawing/2014/main" id="{CCA9F222-3A86-73A4-C664-9773CA156B48}"/>
               </a:ext>
             </a:extLst>
           </p:cNvPr>
@@ -1949,7 +1949,7 @@
           <a:bodyPr/>
           <a:lstStyle/>
           <a:p>
-            <a:fld id="{30CD7C3C-CED0-4C71-84C1-E1C45DF3DF17}" type="datetimeFigureOut">
+            <a:fld id="{4685D9DD-7043-4934-89A6-1E1CCD9105A9}" type="datetimeFigureOut">
               <a:rPr lang="zh-CN" altLang="en-US" smtClean="0"/>
               <a:t>2024/3/10</a:t>
             </a:fld>
@@ -1962,7 +1962,7 @@
           <p:cNvPr id="4" name="页脚占位符 3">
             <a:extLst>
               <a:ext uri="{FF2B5EF4-FFF2-40B4-BE49-F238E27FC236}">
-                <a16:creationId xmlns:a16="http://schemas.microsoft.com/office/drawing/2014/main" id="{06ED54E2-2C9F-FBF4-4C2E-135305514008}"/>
+                <a16:creationId xmlns:a16="http://schemas.microsoft.com/office/drawing/2014/main" id="{7C293E0E-AA15-69E7-2399-606B41E860AE}"/>
               </a:ext>
             </a:extLst>
           </p:cNvPr>
@@ -1987,7 +1987,7 @@
           <p:cNvPr id="5" name="灯片编号占位符 4">
             <a:extLst>
               <a:ext uri="{FF2B5EF4-FFF2-40B4-BE49-F238E27FC236}">
-                <a16:creationId xmlns:a16="http://schemas.microsoft.com/office/drawing/2014/main" id="{6E8F88C4-2F66-7D1E-0273-AFCD6DC4374E}"/>
+                <a16:creationId xmlns:a16="http://schemas.microsoft.com/office/drawing/2014/main" id="{EF6DE141-710A-84DF-8CC2-64967E5D56E5}"/>
               </a:ext>
             </a:extLst>
           </p:cNvPr>
@@ -2003,7 +2003,7 @@
           <a:bodyPr/>
           <a:lstStyle/>
           <a:p>
-            <a:fld id="{B708E008-650D-41FA-A33B-702DF3CBCF05}" type="slidenum">
+            <a:fld id="{52BEA3AF-77BF-4145-94D8-817E9513EE45}" type="slidenum">
               <a:rPr lang="zh-CN" altLang="en-US" smtClean="0"/>
               <a:t>‹#›</a:t>
             </a:fld>
@@ -2014,7 +2014,7 @@
     </p:spTree>
     <p:extLst>
       <p:ext uri="{BB962C8B-B14F-4D97-AF65-F5344CB8AC3E}">
-        <p14:creationId xmlns:p14="http://schemas.microsoft.com/office/powerpoint/2010/main" val="1721491916"/>
+        <p14:creationId xmlns:p14="http://schemas.microsoft.com/office/powerpoint/2010/main" val="2263053479"/>
       </p:ext>
     </p:extLst>
   </p:cSld>
@@ -2046,7 +2046,7 @@
           <p:cNvPr id="2" name="日期占位符 1">
             <a:extLst>
               <a:ext uri="{FF2B5EF4-FFF2-40B4-BE49-F238E27FC236}">
-                <a16:creationId xmlns:a16="http://schemas.microsoft.com/office/drawing/2014/main" id="{9D81B819-1458-EF46-A7B2-9EF8EC87E324}"/>
+                <a16:creationId xmlns:a16="http://schemas.microsoft.com/office/drawing/2014/main" id="{25EC6479-899E-33FF-3A82-93CDB518A850}"/>
               </a:ext>
             </a:extLst>
           </p:cNvPr>
@@ -2062,7 +2062,7 @@
           <a:bodyPr/>
           <a:lstStyle/>
           <a:p>
-            <a:fld id="{30CD7C3C-CED0-4C71-84C1-E1C45DF3DF17}" type="datetimeFigureOut">
+            <a:fld id="{4685D9DD-7043-4934-89A6-1E1CCD9105A9}" type="datetimeFigureOut">
               <a:rPr lang="zh-CN" altLang="en-US" smtClean="0"/>
               <a:t>2024/3/10</a:t>
             </a:fld>
@@ -2075,7 +2075,7 @@
           <p:cNvPr id="3" name="页脚占位符 2">
             <a:extLst>
               <a:ext uri="{FF2B5EF4-FFF2-40B4-BE49-F238E27FC236}">
-                <a16:creationId xmlns:a16="http://schemas.microsoft.com/office/drawing/2014/main" id="{C94CE64C-9B85-3AEA-5020-2033E3BFA75F}"/>
+                <a16:creationId xmlns:a16="http://schemas.microsoft.com/office/drawing/2014/main" id="{4AAE72EF-8B53-57F9-BB53-5609DB9B1AAF}"/>
               </a:ext>
             </a:extLst>
           </p:cNvPr>
@@ -2100,7 +2100,7 @@
           <p:cNvPr id="4" name="灯片编号占位符 3">
             <a:extLst>
               <a:ext uri="{FF2B5EF4-FFF2-40B4-BE49-F238E27FC236}">
-                <a16:creationId xmlns:a16="http://schemas.microsoft.com/office/drawing/2014/main" id="{FA495F21-4D36-D171-3724-6CF9DD117E1F}"/>
+                <a16:creationId xmlns:a16="http://schemas.microsoft.com/office/drawing/2014/main" id="{DB3CF21B-0F2D-7856-C119-AA6FEFA9D1E3}"/>
               </a:ext>
             </a:extLst>
           </p:cNvPr>
@@ -2116,7 +2116,7 @@
           <a:bodyPr/>
           <a:lstStyle/>
           <a:p>
-            <a:fld id="{B708E008-650D-41FA-A33B-702DF3CBCF05}" type="slidenum">
+            <a:fld id="{52BEA3AF-77BF-4145-94D8-817E9513EE45}" type="slidenum">
               <a:rPr lang="zh-CN" altLang="en-US" smtClean="0"/>
               <a:t>‹#›</a:t>
             </a:fld>
@@ -2127,7 +2127,7 @@
     </p:spTree>
     <p:extLst>
       <p:ext uri="{BB962C8B-B14F-4D97-AF65-F5344CB8AC3E}">
-        <p14:creationId xmlns:p14="http://schemas.microsoft.com/office/powerpoint/2010/main" val="677039949"/>
+        <p14:creationId xmlns:p14="http://schemas.microsoft.com/office/powerpoint/2010/main" val="1004325747"/>
       </p:ext>
     </p:extLst>
   </p:cSld>
@@ -2159,7 +2159,7 @@
           <p:cNvPr id="2" name="标题 1">
             <a:extLst>
               <a:ext uri="{FF2B5EF4-FFF2-40B4-BE49-F238E27FC236}">
-                <a16:creationId xmlns:a16="http://schemas.microsoft.com/office/drawing/2014/main" id="{E20E2D2B-496A-9204-C46E-CF9427421784}"/>
+                <a16:creationId xmlns:a16="http://schemas.microsoft.com/office/drawing/2014/main" id="{F0A031A0-6DC6-487B-5FE4-F2DB60A1C964}"/>
               </a:ext>
             </a:extLst>
           </p:cNvPr>
@@ -2196,7 +2196,7 @@
           <p:cNvPr id="3" name="内容占位符 2">
             <a:extLst>
               <a:ext uri="{FF2B5EF4-FFF2-40B4-BE49-F238E27FC236}">
-                <a16:creationId xmlns:a16="http://schemas.microsoft.com/office/drawing/2014/main" id="{05E313B8-83CE-00F2-9804-7C4844B46225}"/>
+                <a16:creationId xmlns:a16="http://schemas.microsoft.com/office/drawing/2014/main" id="{53BD3F45-FE9A-B221-D196-8F2C833B9938}"/>
               </a:ext>
             </a:extLst>
           </p:cNvPr>
@@ -2286,7 +2286,7 @@
           <p:cNvPr id="4" name="文本占位符 3">
             <a:extLst>
               <a:ext uri="{FF2B5EF4-FFF2-40B4-BE49-F238E27FC236}">
-                <a16:creationId xmlns:a16="http://schemas.microsoft.com/office/drawing/2014/main" id="{8525AB98-E49F-3C7F-F190-94BC0C164A20}"/>
+                <a16:creationId xmlns:a16="http://schemas.microsoft.com/office/drawing/2014/main" id="{9E7F9425-7B66-8515-A71D-E97DB16D0B3A}"/>
               </a:ext>
             </a:extLst>
           </p:cNvPr>
@@ -2357,7 +2357,7 @@
           <p:cNvPr id="5" name="日期占位符 4">
             <a:extLst>
               <a:ext uri="{FF2B5EF4-FFF2-40B4-BE49-F238E27FC236}">
-                <a16:creationId xmlns:a16="http://schemas.microsoft.com/office/drawing/2014/main" id="{69E3D930-7C6A-0CB7-9715-51B02836435C}"/>
+                <a16:creationId xmlns:a16="http://schemas.microsoft.com/office/drawing/2014/main" id="{6B311840-8B80-53FC-C29F-32510A0F1C29}"/>
               </a:ext>
             </a:extLst>
           </p:cNvPr>
@@ -2373,7 +2373,7 @@
           <a:bodyPr/>
           <a:lstStyle/>
           <a:p>
-            <a:fld id="{30CD7C3C-CED0-4C71-84C1-E1C45DF3DF17}" type="datetimeFigureOut">
+            <a:fld id="{4685D9DD-7043-4934-89A6-1E1CCD9105A9}" type="datetimeFigureOut">
               <a:rPr lang="zh-CN" altLang="en-US" smtClean="0"/>
               <a:t>2024/3/10</a:t>
             </a:fld>
@@ -2386,7 +2386,7 @@
           <p:cNvPr id="6" name="页脚占位符 5">
             <a:extLst>
               <a:ext uri="{FF2B5EF4-FFF2-40B4-BE49-F238E27FC236}">
-                <a16:creationId xmlns:a16="http://schemas.microsoft.com/office/drawing/2014/main" id="{28766D77-77A3-AC4E-0770-C177611E769B}"/>
+                <a16:creationId xmlns:a16="http://schemas.microsoft.com/office/drawing/2014/main" id="{F0EE090F-F561-114E-480D-D852BB6B0EF2}"/>
               </a:ext>
             </a:extLst>
           </p:cNvPr>
@@ -2411,7 +2411,7 @@
           <p:cNvPr id="7" name="灯片编号占位符 6">
             <a:extLst>
               <a:ext uri="{FF2B5EF4-FFF2-40B4-BE49-F238E27FC236}">
-                <a16:creationId xmlns:a16="http://schemas.microsoft.com/office/drawing/2014/main" id="{470C2C6E-D1B6-493C-756D-E981ABD6F431}"/>
+                <a16:creationId xmlns:a16="http://schemas.microsoft.com/office/drawing/2014/main" id="{46866B6B-E023-3506-5235-12227565F04F}"/>
               </a:ext>
             </a:extLst>
           </p:cNvPr>
@@ -2427,7 +2427,7 @@
           <a:bodyPr/>
           <a:lstStyle/>
           <a:p>
-            <a:fld id="{B708E008-650D-41FA-A33B-702DF3CBCF05}" type="slidenum">
+            <a:fld id="{52BEA3AF-77BF-4145-94D8-817E9513EE45}" type="slidenum">
               <a:rPr lang="zh-CN" altLang="en-US" smtClean="0"/>
               <a:t>‹#›</a:t>
             </a:fld>
@@ -2438,7 +2438,7 @@
     </p:spTree>
     <p:extLst>
       <p:ext uri="{BB962C8B-B14F-4D97-AF65-F5344CB8AC3E}">
-        <p14:creationId xmlns:p14="http://schemas.microsoft.com/office/powerpoint/2010/main" val="2898836373"/>
+        <p14:creationId xmlns:p14="http://schemas.microsoft.com/office/powerpoint/2010/main" val="328125643"/>
       </p:ext>
     </p:extLst>
   </p:cSld>
@@ -2470,7 +2470,7 @@
           <p:cNvPr id="2" name="标题 1">
             <a:extLst>
               <a:ext uri="{FF2B5EF4-FFF2-40B4-BE49-F238E27FC236}">
-                <a16:creationId xmlns:a16="http://schemas.microsoft.com/office/drawing/2014/main" id="{DEC99AD7-3912-9CC4-CA8A-19273AFBDDAF}"/>
+                <a16:creationId xmlns:a16="http://schemas.microsoft.com/office/drawing/2014/main" id="{0BE87A73-4897-BB5D-CC50-3D8A85B6CFAD}"/>
               </a:ext>
             </a:extLst>
           </p:cNvPr>
@@ -2507,7 +2507,7 @@
           <p:cNvPr id="3" name="图片占位符 2">
             <a:extLst>
               <a:ext uri="{FF2B5EF4-FFF2-40B4-BE49-F238E27FC236}">
-                <a16:creationId xmlns:a16="http://schemas.microsoft.com/office/drawing/2014/main" id="{59DDC973-1DAA-5EAA-EFAA-7763BFDDD1A2}"/>
+                <a16:creationId xmlns:a16="http://schemas.microsoft.com/office/drawing/2014/main" id="{02606336-B65B-3A67-8F2F-24B1A1A1E26B}"/>
               </a:ext>
             </a:extLst>
           </p:cNvPr>
@@ -2574,7 +2574,7 @@
           <p:cNvPr id="4" name="文本占位符 3">
             <a:extLst>
               <a:ext uri="{FF2B5EF4-FFF2-40B4-BE49-F238E27FC236}">
-                <a16:creationId xmlns:a16="http://schemas.microsoft.com/office/drawing/2014/main" id="{B2CFCC1F-DEA6-78D9-2319-B35952BAB231}"/>
+                <a16:creationId xmlns:a16="http://schemas.microsoft.com/office/drawing/2014/main" id="{9124274B-4C47-08C6-AFB5-187F5062587A}"/>
               </a:ext>
             </a:extLst>
           </p:cNvPr>
@@ -2645,7 +2645,7 @@
           <p:cNvPr id="5" name="日期占位符 4">
             <a:extLst>
               <a:ext uri="{FF2B5EF4-FFF2-40B4-BE49-F238E27FC236}">
-                <a16:creationId xmlns:a16="http://schemas.microsoft.com/office/drawing/2014/main" id="{012296F7-1825-C101-096B-DC7C2A8E6E2A}"/>
+                <a16:creationId xmlns:a16="http://schemas.microsoft.com/office/drawing/2014/main" id="{68BB024B-858B-6D38-DDE9-BCA102449A78}"/>
               </a:ext>
             </a:extLst>
           </p:cNvPr>
@@ -2661,7 +2661,7 @@
           <a:bodyPr/>
           <a:lstStyle/>
           <a:p>
-            <a:fld id="{30CD7C3C-CED0-4C71-84C1-E1C45DF3DF17}" type="datetimeFigureOut">
+            <a:fld id="{4685D9DD-7043-4934-89A6-1E1CCD9105A9}" type="datetimeFigureOut">
               <a:rPr lang="zh-CN" altLang="en-US" smtClean="0"/>
               <a:t>2024/3/10</a:t>
             </a:fld>
@@ -2674,7 +2674,7 @@
           <p:cNvPr id="6" name="页脚占位符 5">
             <a:extLst>
               <a:ext uri="{FF2B5EF4-FFF2-40B4-BE49-F238E27FC236}">
-                <a16:creationId xmlns:a16="http://schemas.microsoft.com/office/drawing/2014/main" id="{742FCED9-77BD-3CF3-E0CB-4BC1CF01D267}"/>
+                <a16:creationId xmlns:a16="http://schemas.microsoft.com/office/drawing/2014/main" id="{92A50873-0B76-BFF1-6356-6EE196009C77}"/>
               </a:ext>
             </a:extLst>
           </p:cNvPr>
@@ -2699,7 +2699,7 @@
           <p:cNvPr id="7" name="灯片编号占位符 6">
             <a:extLst>
               <a:ext uri="{FF2B5EF4-FFF2-40B4-BE49-F238E27FC236}">
-                <a16:creationId xmlns:a16="http://schemas.microsoft.com/office/drawing/2014/main" id="{BA33AE06-9CDA-D1D9-3BDF-CBFAF7823DB1}"/>
+                <a16:creationId xmlns:a16="http://schemas.microsoft.com/office/drawing/2014/main" id="{15AB98FB-3F53-33A6-2021-D09868139392}"/>
               </a:ext>
             </a:extLst>
           </p:cNvPr>
@@ -2715,7 +2715,7 @@
           <a:bodyPr/>
           <a:lstStyle/>
           <a:p>
-            <a:fld id="{B708E008-650D-41FA-A33B-702DF3CBCF05}" type="slidenum">
+            <a:fld id="{52BEA3AF-77BF-4145-94D8-817E9513EE45}" type="slidenum">
               <a:rPr lang="zh-CN" altLang="en-US" smtClean="0"/>
               <a:t>‹#›</a:t>
             </a:fld>
@@ -2726,7 +2726,7 @@
     </p:spTree>
     <p:extLst>
       <p:ext uri="{BB962C8B-B14F-4D97-AF65-F5344CB8AC3E}">
-        <p14:creationId xmlns:p14="http://schemas.microsoft.com/office/powerpoint/2010/main" val="1893336295"/>
+        <p14:creationId xmlns:p14="http://schemas.microsoft.com/office/powerpoint/2010/main" val="1536335495"/>
       </p:ext>
     </p:extLst>
   </p:cSld>
@@ -2763,7 +2763,7 @@
           <p:cNvPr id="2" name="标题占位符 1">
             <a:extLst>
               <a:ext uri="{FF2B5EF4-FFF2-40B4-BE49-F238E27FC236}">
-                <a16:creationId xmlns:a16="http://schemas.microsoft.com/office/drawing/2014/main" id="{3D114048-AC82-753A-BADD-1B622B63CBF9}"/>
+                <a16:creationId xmlns:a16="http://schemas.microsoft.com/office/drawing/2014/main" id="{57620219-1E3A-4CB7-F38D-A45ADDF78E61}"/>
               </a:ext>
             </a:extLst>
           </p:cNvPr>
@@ -2801,7 +2801,7 @@
           <p:cNvPr id="3" name="文本占位符 2">
             <a:extLst>
               <a:ext uri="{FF2B5EF4-FFF2-40B4-BE49-F238E27FC236}">
-                <a16:creationId xmlns:a16="http://schemas.microsoft.com/office/drawing/2014/main" id="{5590441A-DBDB-F7FA-10A3-067FA3E70959}"/>
+                <a16:creationId xmlns:a16="http://schemas.microsoft.com/office/drawing/2014/main" id="{7D28C9D4-74CF-1C4B-A74D-9DDE18CE3B9F}"/>
               </a:ext>
             </a:extLst>
           </p:cNvPr>
@@ -2868,7 +2868,7 @@
           <p:cNvPr id="4" name="日期占位符 3">
             <a:extLst>
               <a:ext uri="{FF2B5EF4-FFF2-40B4-BE49-F238E27FC236}">
-                <a16:creationId xmlns:a16="http://schemas.microsoft.com/office/drawing/2014/main" id="{BCDB86B4-AA27-7670-D37C-157B63BA78F3}"/>
+                <a16:creationId xmlns:a16="http://schemas.microsoft.com/office/drawing/2014/main" id="{62B037A7-E15A-FB68-E53E-6AEFB5692704}"/>
               </a:ext>
             </a:extLst>
           </p:cNvPr>
@@ -2902,7 +2902,7 @@
             </a:lvl1pPr>
           </a:lstStyle>
           <a:p>
-            <a:fld id="{30CD7C3C-CED0-4C71-84C1-E1C45DF3DF17}" type="datetimeFigureOut">
+            <a:fld id="{4685D9DD-7043-4934-89A6-1E1CCD9105A9}" type="datetimeFigureOut">
               <a:rPr lang="zh-CN" altLang="en-US" smtClean="0"/>
               <a:t>2024/3/10</a:t>
             </a:fld>
@@ -2915,7 +2915,7 @@
           <p:cNvPr id="5" name="页脚占位符 4">
             <a:extLst>
               <a:ext uri="{FF2B5EF4-FFF2-40B4-BE49-F238E27FC236}">
-                <a16:creationId xmlns:a16="http://schemas.microsoft.com/office/drawing/2014/main" id="{2FFE846E-0DF1-AA9A-C871-0620452B3EED}"/>
+                <a16:creationId xmlns:a16="http://schemas.microsoft.com/office/drawing/2014/main" id="{9E17CDD0-7830-239A-E4D6-297CD7A6A749}"/>
               </a:ext>
             </a:extLst>
           </p:cNvPr>
@@ -2958,7 +2958,7 @@
           <p:cNvPr id="6" name="灯片编号占位符 5">
             <a:extLst>
               <a:ext uri="{FF2B5EF4-FFF2-40B4-BE49-F238E27FC236}">
-                <a16:creationId xmlns:a16="http://schemas.microsoft.com/office/drawing/2014/main" id="{8DCA58E0-98A6-99E5-8615-4EC913F360A3}"/>
+                <a16:creationId xmlns:a16="http://schemas.microsoft.com/office/drawing/2014/main" id="{4EAB9935-5678-AD82-A86D-E17217C581BF}"/>
               </a:ext>
             </a:extLst>
           </p:cNvPr>
@@ -2992,7 +2992,7 @@
             </a:lvl1pPr>
           </a:lstStyle>
           <a:p>
-            <a:fld id="{B708E008-650D-41FA-A33B-702DF3CBCF05}" type="slidenum">
+            <a:fld id="{52BEA3AF-77BF-4145-94D8-817E9513EE45}" type="slidenum">
               <a:rPr lang="zh-CN" altLang="en-US" smtClean="0"/>
               <a:t>‹#›</a:t>
             </a:fld>
@@ -3003,7 +3003,7 @@
     </p:spTree>
     <p:extLst>
       <p:ext uri="{BB962C8B-B14F-4D97-AF65-F5344CB8AC3E}">
-        <p14:creationId xmlns:p14="http://schemas.microsoft.com/office/powerpoint/2010/main" val="174938660"/>
+        <p14:creationId xmlns:p14="http://schemas.microsoft.com/office/powerpoint/2010/main" val="259883158"/>
       </p:ext>
     </p:extLst>
   </p:cSld>
